--- a/demo.pptx
+++ b/demo.pptx
@@ -107,6 +107,11 @@
       </a:defRPr>
     </a:lvl9pPr>
   </p:defaultTextStyle>
+  <p:extLst>
+    <p:ext uri="{EFAFB233-063F-42B5-8137-9DF3F51BA10A}">
+      <p15:sldGuideLst xmlns:p15="http://schemas.microsoft.com/office/powerpoint/2012/main"/>
+    </p:ext>
+  </p:extLst>
 </p:presentation>
 </file>
 
@@ -160,7 +165,7 @@
           <a:noFill/>
           <a:extLst>
             <a:ext uri="{909E8E84-426E-40dd-AFC4-6F175D3DCCD1}">
-              <a14:hiddenFill xmlns:a14="http://schemas.microsoft.com/office/drawing/2010/main" xmlns="">
+              <a14:hiddenFill xmlns="" xmlns:a14="http://schemas.microsoft.com/office/drawing/2010/main">
                 <a:solidFill>
                   <a:srgbClr val="FFFFFF"/>
                 </a:solidFill>
@@ -220,7 +225,7 @@
             </a:ln>
             <a:extLst>
               <a:ext uri="{91240B29-F687-4f45-9708-019B960494DF}">
-                <a14:hiddenLine xmlns:a14="http://schemas.microsoft.com/office/drawing/2010/main" xmlns="" w="9525">
+                <a14:hiddenLine xmlns="" xmlns:a14="http://schemas.microsoft.com/office/drawing/2010/main" w="9525">
                   <a:solidFill>
                     <a:srgbClr val="000000"/>
                   </a:solidFill>
@@ -310,7 +315,7 @@
             </a:ln>
             <a:extLst>
               <a:ext uri="{91240B29-F687-4f45-9708-019B960494DF}">
-                <a14:hiddenLine xmlns:a14="http://schemas.microsoft.com/office/drawing/2010/main" xmlns="" w="9525">
+                <a14:hiddenLine xmlns="" xmlns:a14="http://schemas.microsoft.com/office/drawing/2010/main" w="9525">
                   <a:solidFill>
                     <a:srgbClr val="000000"/>
                   </a:solidFill>
@@ -400,7 +405,7 @@
             </a:ln>
             <a:extLst>
               <a:ext uri="{91240B29-F687-4f45-9708-019B960494DF}">
-                <a14:hiddenLine xmlns:a14="http://schemas.microsoft.com/office/drawing/2010/main" xmlns="" w="9525">
+                <a14:hiddenLine xmlns="" xmlns:a14="http://schemas.microsoft.com/office/drawing/2010/main" w="9525">
                   <a:solidFill>
                     <a:srgbClr val="000000"/>
                   </a:solidFill>
@@ -434,7 +439,7 @@
             </a:ln>
             <a:extLst>
               <a:ext uri="{91240B29-F687-4f45-9708-019B960494DF}">
-                <a14:hiddenLine xmlns:a14="http://schemas.microsoft.com/office/drawing/2010/main" xmlns="" w="9525">
+                <a14:hiddenLine xmlns="" xmlns:a14="http://schemas.microsoft.com/office/drawing/2010/main" w="9525">
                   <a:solidFill>
                     <a:srgbClr val="000000"/>
                   </a:solidFill>
@@ -524,7 +529,7 @@
             </a:ln>
             <a:extLst>
               <a:ext uri="{91240B29-F687-4f45-9708-019B960494DF}">
-                <a14:hiddenLine xmlns:a14="http://schemas.microsoft.com/office/drawing/2010/main" xmlns="" w="9525">
+                <a14:hiddenLine xmlns="" xmlns:a14="http://schemas.microsoft.com/office/drawing/2010/main" w="9525">
                   <a:solidFill>
                     <a:srgbClr val="000000"/>
                   </a:solidFill>
@@ -586,7 +591,7 @@
             </a:ln>
             <a:extLst>
               <a:ext uri="{91240B29-F687-4f45-9708-019B960494DF}">
-                <a14:hiddenLine xmlns:a14="http://schemas.microsoft.com/office/drawing/2010/main" xmlns="" w="9525">
+                <a14:hiddenLine xmlns="" xmlns:a14="http://schemas.microsoft.com/office/drawing/2010/main" w="9525">
                   <a:solidFill>
                     <a:srgbClr val="000000"/>
                   </a:solidFill>
@@ -648,7 +653,7 @@
             </a:ln>
             <a:extLst>
               <a:ext uri="{91240B29-F687-4f45-9708-019B960494DF}">
-                <a14:hiddenLine xmlns:a14="http://schemas.microsoft.com/office/drawing/2010/main" xmlns="" w="9525">
+                <a14:hiddenLine xmlns="" xmlns:a14="http://schemas.microsoft.com/office/drawing/2010/main" w="9525">
                   <a:solidFill>
                     <a:srgbClr val="000000"/>
                   </a:solidFill>
@@ -738,7 +743,7 @@
             </a:ln>
             <a:extLst>
               <a:ext uri="{91240B29-F687-4f45-9708-019B960494DF}">
-                <a14:hiddenLine xmlns:a14="http://schemas.microsoft.com/office/drawing/2010/main" xmlns="" w="9525">
+                <a14:hiddenLine xmlns="" xmlns:a14="http://schemas.microsoft.com/office/drawing/2010/main" w="9525">
                   <a:solidFill>
                     <a:srgbClr val="000000"/>
                   </a:solidFill>
@@ -800,7 +805,7 @@
             </a:ln>
             <a:extLst>
               <a:ext uri="{91240B29-F687-4f45-9708-019B960494DF}">
-                <a14:hiddenLine xmlns:a14="http://schemas.microsoft.com/office/drawing/2010/main" xmlns="" w="9525">
+                <a14:hiddenLine xmlns="" xmlns:a14="http://schemas.microsoft.com/office/drawing/2010/main" w="9525">
                   <a:solidFill>
                     <a:srgbClr val="000000"/>
                   </a:solidFill>
@@ -862,7 +867,7 @@
             </a:ln>
             <a:extLst>
               <a:ext uri="{91240B29-F687-4f45-9708-019B960494DF}">
-                <a14:hiddenLine xmlns:a14="http://schemas.microsoft.com/office/drawing/2010/main" xmlns="" w="9525">
+                <a14:hiddenLine xmlns="" xmlns:a14="http://schemas.microsoft.com/office/drawing/2010/main" w="9525">
                   <a:solidFill>
                     <a:srgbClr val="000000"/>
                   </a:solidFill>
@@ -952,7 +957,7 @@
             </a:ln>
             <a:extLst>
               <a:ext uri="{91240B29-F687-4f45-9708-019B960494DF}">
-                <a14:hiddenLine xmlns:a14="http://schemas.microsoft.com/office/drawing/2010/main" xmlns="" w="9525">
+                <a14:hiddenLine xmlns="" xmlns:a14="http://schemas.microsoft.com/office/drawing/2010/main" w="9525">
                   <a:solidFill>
                     <a:srgbClr val="000000"/>
                   </a:solidFill>
@@ -1042,7 +1047,7 @@
             </a:ln>
             <a:extLst>
               <a:ext uri="{91240B29-F687-4f45-9708-019B960494DF}">
-                <a14:hiddenLine xmlns:a14="http://schemas.microsoft.com/office/drawing/2010/main" xmlns="" w="9525">
+                <a14:hiddenLine xmlns="" xmlns:a14="http://schemas.microsoft.com/office/drawing/2010/main" w="9525">
                   <a:solidFill>
                     <a:srgbClr val="000000"/>
                   </a:solidFill>
@@ -1104,7 +1109,7 @@
             </a:ln>
             <a:extLst>
               <a:ext uri="{91240B29-F687-4f45-9708-019B960494DF}">
-                <a14:hiddenLine xmlns:a14="http://schemas.microsoft.com/office/drawing/2010/main" xmlns="" w="9525">
+                <a14:hiddenLine xmlns="" xmlns:a14="http://schemas.microsoft.com/office/drawing/2010/main" w="9525">
                   <a:solidFill>
                     <a:srgbClr val="000000"/>
                   </a:solidFill>
@@ -1214,7 +1219,7 @@
             </a:ln>
             <a:extLst>
               <a:ext uri="{91240B29-F687-4f45-9708-019B960494DF}">
-                <a14:hiddenLine xmlns:a14="http://schemas.microsoft.com/office/drawing/2010/main" xmlns="" w="9525">
+                <a14:hiddenLine xmlns="" xmlns:a14="http://schemas.microsoft.com/office/drawing/2010/main" w="9525">
                   <a:solidFill>
                     <a:srgbClr val="000000"/>
                   </a:solidFill>
@@ -1276,7 +1281,7 @@
             </a:ln>
             <a:extLst>
               <a:ext uri="{91240B29-F687-4f45-9708-019B960494DF}">
-                <a14:hiddenLine xmlns:a14="http://schemas.microsoft.com/office/drawing/2010/main" xmlns="" w="9525">
+                <a14:hiddenLine xmlns="" xmlns:a14="http://schemas.microsoft.com/office/drawing/2010/main" w="9525">
                   <a:solidFill>
                     <a:srgbClr val="000000"/>
                   </a:solidFill>
@@ -1366,7 +1371,7 @@
             </a:ln>
             <a:extLst>
               <a:ext uri="{91240B29-F687-4f45-9708-019B960494DF}">
-                <a14:hiddenLine xmlns:a14="http://schemas.microsoft.com/office/drawing/2010/main" xmlns="" w="9525">
+                <a14:hiddenLine xmlns="" xmlns:a14="http://schemas.microsoft.com/office/drawing/2010/main" w="9525">
                   <a:solidFill>
                     <a:srgbClr val="000000"/>
                   </a:solidFill>
@@ -1456,7 +1461,7 @@
             </a:ln>
             <a:extLst>
               <a:ext uri="{91240B29-F687-4f45-9708-019B960494DF}">
-                <a14:hiddenLine xmlns:a14="http://schemas.microsoft.com/office/drawing/2010/main" xmlns="" w="9525">
+                <a14:hiddenLine xmlns="" xmlns:a14="http://schemas.microsoft.com/office/drawing/2010/main" w="9525">
                   <a:solidFill>
                     <a:srgbClr val="000000"/>
                   </a:solidFill>
@@ -1518,7 +1523,7 @@
             </a:ln>
             <a:extLst>
               <a:ext uri="{91240B29-F687-4f45-9708-019B960494DF}">
-                <a14:hiddenLine xmlns:a14="http://schemas.microsoft.com/office/drawing/2010/main" xmlns="" w="9525">
+                <a14:hiddenLine xmlns="" xmlns:a14="http://schemas.microsoft.com/office/drawing/2010/main" w="9525">
                   <a:solidFill>
                     <a:srgbClr val="000000"/>
                   </a:solidFill>
@@ -1608,7 +1613,7 @@
             </a:ln>
             <a:extLst>
               <a:ext uri="{91240B29-F687-4f45-9708-019B960494DF}">
-                <a14:hiddenLine xmlns:a14="http://schemas.microsoft.com/office/drawing/2010/main" xmlns="" w="9525">
+                <a14:hiddenLine xmlns="" xmlns:a14="http://schemas.microsoft.com/office/drawing/2010/main" w="9525">
                   <a:solidFill>
                     <a:srgbClr val="000000"/>
                   </a:solidFill>
@@ -1698,7 +1703,7 @@
             </a:ln>
             <a:extLst>
               <a:ext uri="{91240B29-F687-4f45-9708-019B960494DF}">
-                <a14:hiddenLine xmlns:a14="http://schemas.microsoft.com/office/drawing/2010/main" xmlns="" w="9525">
+                <a14:hiddenLine xmlns="" xmlns:a14="http://schemas.microsoft.com/office/drawing/2010/main" w="9525">
                   <a:solidFill>
                     <a:srgbClr val="000000"/>
                   </a:solidFill>
@@ -1754,7 +1759,7 @@
             </a:ln>
             <a:extLst>
               <a:ext uri="{91240B29-F687-4f45-9708-019B960494DF}">
-                <a14:hiddenLine xmlns:a14="http://schemas.microsoft.com/office/drawing/2010/main" xmlns="" w="9525">
+                <a14:hiddenLine xmlns="" xmlns:a14="http://schemas.microsoft.com/office/drawing/2010/main" w="9525">
                   <a:solidFill>
                     <a:srgbClr val="000000"/>
                   </a:solidFill>
@@ -1844,7 +1849,7 @@
             </a:ln>
             <a:extLst>
               <a:ext uri="{91240B29-F687-4f45-9708-019B960494DF}">
-                <a14:hiddenLine xmlns:a14="http://schemas.microsoft.com/office/drawing/2010/main" xmlns="" w="9525">
+                <a14:hiddenLine xmlns="" xmlns:a14="http://schemas.microsoft.com/office/drawing/2010/main" w="9525">
                   <a:solidFill>
                     <a:srgbClr val="000000"/>
                   </a:solidFill>
@@ -1900,7 +1905,7 @@
             </a:ln>
             <a:extLst>
               <a:ext uri="{91240B29-F687-4f45-9708-019B960494DF}">
-                <a14:hiddenLine xmlns:a14="http://schemas.microsoft.com/office/drawing/2010/main" xmlns="" w="9525">
+                <a14:hiddenLine xmlns="" xmlns:a14="http://schemas.microsoft.com/office/drawing/2010/main" w="9525">
                   <a:solidFill>
                     <a:srgbClr val="000000"/>
                   </a:solidFill>
@@ -1990,7 +1995,7 @@
             </a:ln>
             <a:extLst>
               <a:ext uri="{91240B29-F687-4f45-9708-019B960494DF}">
-                <a14:hiddenLine xmlns:a14="http://schemas.microsoft.com/office/drawing/2010/main" xmlns="" w="9525">
+                <a14:hiddenLine xmlns="" xmlns:a14="http://schemas.microsoft.com/office/drawing/2010/main" w="9525">
                   <a:solidFill>
                     <a:srgbClr val="000000"/>
                   </a:solidFill>
@@ -2058,7 +2063,7 @@
             </a:ln>
             <a:extLst>
               <a:ext uri="{91240B29-F687-4f45-9708-019B960494DF}">
-                <a14:hiddenLine xmlns:a14="http://schemas.microsoft.com/office/drawing/2010/main" xmlns="" w="9525">
+                <a14:hiddenLine xmlns="" xmlns:a14="http://schemas.microsoft.com/office/drawing/2010/main" w="9525">
                   <a:solidFill>
                     <a:srgbClr val="000000"/>
                   </a:solidFill>
@@ -2148,7 +2153,7 @@
             </a:ln>
             <a:extLst>
               <a:ext uri="{91240B29-F687-4f45-9708-019B960494DF}">
-                <a14:hiddenLine xmlns:a14="http://schemas.microsoft.com/office/drawing/2010/main" xmlns="" w="9525">
+                <a14:hiddenLine xmlns="" xmlns:a14="http://schemas.microsoft.com/office/drawing/2010/main" w="9525">
                   <a:solidFill>
                     <a:srgbClr val="000000"/>
                   </a:solidFill>
@@ -2216,7 +2221,7 @@
             </a:ln>
             <a:extLst>
               <a:ext uri="{91240B29-F687-4f45-9708-019B960494DF}">
-                <a14:hiddenLine xmlns:a14="http://schemas.microsoft.com/office/drawing/2010/main" xmlns="" w="9525">
+                <a14:hiddenLine xmlns="" xmlns:a14="http://schemas.microsoft.com/office/drawing/2010/main" w="9525">
                   <a:solidFill>
                     <a:srgbClr val="000000"/>
                   </a:solidFill>
@@ -2306,7 +2311,7 @@
             </a:ln>
             <a:extLst>
               <a:ext uri="{91240B29-F687-4f45-9708-019B960494DF}">
-                <a14:hiddenLine xmlns:a14="http://schemas.microsoft.com/office/drawing/2010/main" xmlns="" w="9525">
+                <a14:hiddenLine xmlns="" xmlns:a14="http://schemas.microsoft.com/office/drawing/2010/main" w="9525">
                   <a:solidFill>
                     <a:srgbClr val="000000"/>
                   </a:solidFill>
@@ -2340,7 +2345,7 @@
             </a:ln>
             <a:extLst>
               <a:ext uri="{91240B29-F687-4f45-9708-019B960494DF}">
-                <a14:hiddenLine xmlns:a14="http://schemas.microsoft.com/office/drawing/2010/main" xmlns="" w="9525">
+                <a14:hiddenLine xmlns="" xmlns:a14="http://schemas.microsoft.com/office/drawing/2010/main" w="9525">
                   <a:solidFill>
                     <a:srgbClr val="000000"/>
                   </a:solidFill>
@@ -2430,7 +2435,7 @@
             </a:ln>
             <a:extLst>
               <a:ext uri="{91240B29-F687-4f45-9708-019B960494DF}">
-                <a14:hiddenLine xmlns:a14="http://schemas.microsoft.com/office/drawing/2010/main" xmlns="" w="9525">
+                <a14:hiddenLine xmlns="" xmlns:a14="http://schemas.microsoft.com/office/drawing/2010/main" w="9525">
                   <a:solidFill>
                     <a:srgbClr val="000000"/>
                   </a:solidFill>
@@ -2492,7 +2497,7 @@
             </a:ln>
             <a:extLst>
               <a:ext uri="{91240B29-F687-4f45-9708-019B960494DF}">
-                <a14:hiddenLine xmlns:a14="http://schemas.microsoft.com/office/drawing/2010/main" xmlns="" w="9525">
+                <a14:hiddenLine xmlns="" xmlns:a14="http://schemas.microsoft.com/office/drawing/2010/main" w="9525">
                   <a:solidFill>
                     <a:srgbClr val="000000"/>
                   </a:solidFill>
@@ -2554,7 +2559,7 @@
             </a:ln>
             <a:extLst>
               <a:ext uri="{91240B29-F687-4f45-9708-019B960494DF}">
-                <a14:hiddenLine xmlns:a14="http://schemas.microsoft.com/office/drawing/2010/main" xmlns="" w="9525">
+                <a14:hiddenLine xmlns="" xmlns:a14="http://schemas.microsoft.com/office/drawing/2010/main" w="9525">
                   <a:solidFill>
                     <a:srgbClr val="000000"/>
                   </a:solidFill>
@@ -2644,7 +2649,7 @@
             </a:ln>
             <a:extLst>
               <a:ext uri="{91240B29-F687-4f45-9708-019B960494DF}">
-                <a14:hiddenLine xmlns:a14="http://schemas.microsoft.com/office/drawing/2010/main" xmlns="" w="9525">
+                <a14:hiddenLine xmlns="" xmlns:a14="http://schemas.microsoft.com/office/drawing/2010/main" w="9525">
                   <a:solidFill>
                     <a:srgbClr val="000000"/>
                   </a:solidFill>
@@ -2712,7 +2717,7 @@
             </a:ln>
             <a:extLst>
               <a:ext uri="{91240B29-F687-4f45-9708-019B960494DF}">
-                <a14:hiddenLine xmlns:a14="http://schemas.microsoft.com/office/drawing/2010/main" xmlns="" w="9525">
+                <a14:hiddenLine xmlns="" xmlns:a14="http://schemas.microsoft.com/office/drawing/2010/main" w="9525">
                   <a:solidFill>
                     <a:srgbClr val="000000"/>
                   </a:solidFill>
@@ -2774,7 +2779,7 @@
             </a:ln>
             <a:extLst>
               <a:ext uri="{91240B29-F687-4f45-9708-019B960494DF}">
-                <a14:hiddenLine xmlns:a14="http://schemas.microsoft.com/office/drawing/2010/main" xmlns="" w="9525">
+                <a14:hiddenLine xmlns="" xmlns:a14="http://schemas.microsoft.com/office/drawing/2010/main" w="9525">
                   <a:solidFill>
                     <a:srgbClr val="000000"/>
                   </a:solidFill>
@@ -2864,7 +2869,7 @@
             </a:ln>
             <a:extLst>
               <a:ext uri="{91240B29-F687-4f45-9708-019B960494DF}">
-                <a14:hiddenLine xmlns:a14="http://schemas.microsoft.com/office/drawing/2010/main" xmlns="" w="9525">
+                <a14:hiddenLine xmlns="" xmlns:a14="http://schemas.microsoft.com/office/drawing/2010/main" w="9525">
                   <a:solidFill>
                     <a:srgbClr val="000000"/>
                   </a:solidFill>
@@ -2926,7 +2931,7 @@
             </a:ln>
             <a:extLst>
               <a:ext uri="{91240B29-F687-4f45-9708-019B960494DF}">
-                <a14:hiddenLine xmlns:a14="http://schemas.microsoft.com/office/drawing/2010/main" xmlns="" w="9525">
+                <a14:hiddenLine xmlns="" xmlns:a14="http://schemas.microsoft.com/office/drawing/2010/main" w="9525">
                   <a:solidFill>
                     <a:srgbClr val="000000"/>
                   </a:solidFill>
@@ -3016,7 +3021,7 @@
             </a:ln>
             <a:extLst>
               <a:ext uri="{91240B29-F687-4f45-9708-019B960494DF}">
-                <a14:hiddenLine xmlns:a14="http://schemas.microsoft.com/office/drawing/2010/main" xmlns="" w="9525">
+                <a14:hiddenLine xmlns="" xmlns:a14="http://schemas.microsoft.com/office/drawing/2010/main" w="9525">
                   <a:solidFill>
                     <a:srgbClr val="000000"/>
                   </a:solidFill>
@@ -3078,7 +3083,7 @@
             </a:ln>
             <a:extLst>
               <a:ext uri="{91240B29-F687-4f45-9708-019B960494DF}">
-                <a14:hiddenLine xmlns:a14="http://schemas.microsoft.com/office/drawing/2010/main" xmlns="" w="9525">
+                <a14:hiddenLine xmlns="" xmlns:a14="http://schemas.microsoft.com/office/drawing/2010/main" w="9525">
                   <a:solidFill>
                     <a:srgbClr val="000000"/>
                   </a:solidFill>
@@ -3168,7 +3173,7 @@
             </a:ln>
             <a:extLst>
               <a:ext uri="{91240B29-F687-4f45-9708-019B960494DF}">
-                <a14:hiddenLine xmlns:a14="http://schemas.microsoft.com/office/drawing/2010/main" xmlns="" w="9525">
+                <a14:hiddenLine xmlns="" xmlns:a14="http://schemas.microsoft.com/office/drawing/2010/main" w="9525">
                   <a:solidFill>
                     <a:srgbClr val="000000"/>
                   </a:solidFill>
@@ -3202,7 +3207,7 @@
             </a:ln>
             <a:extLst>
               <a:ext uri="{91240B29-F687-4f45-9708-019B960494DF}">
-                <a14:hiddenLine xmlns:a14="http://schemas.microsoft.com/office/drawing/2010/main" xmlns="" w="9525">
+                <a14:hiddenLine xmlns="" xmlns:a14="http://schemas.microsoft.com/office/drawing/2010/main" w="9525">
                   <a:solidFill>
                     <a:srgbClr val="000000"/>
                   </a:solidFill>
@@ -3267,7 +3272,7 @@
             </a:ln>
             <a:extLst>
               <a:ext uri="{91240B29-F687-4f45-9708-019B960494DF}">
-                <a14:hiddenLine xmlns:a14="http://schemas.microsoft.com/office/drawing/2010/main" xmlns="" w="9525">
+                <a14:hiddenLine xmlns="" xmlns:a14="http://schemas.microsoft.com/office/drawing/2010/main" w="9525">
                   <a:solidFill>
                     <a:srgbClr val="000000"/>
                   </a:solidFill>
@@ -3357,7 +3362,7 @@
             </a:ln>
             <a:extLst>
               <a:ext uri="{91240B29-F687-4f45-9708-019B960494DF}">
-                <a14:hiddenLine xmlns:a14="http://schemas.microsoft.com/office/drawing/2010/main" xmlns="" w="9525">
+                <a14:hiddenLine xmlns="" xmlns:a14="http://schemas.microsoft.com/office/drawing/2010/main" w="9525">
                   <a:solidFill>
                     <a:srgbClr val="000000"/>
                   </a:solidFill>
@@ -3419,7 +3424,7 @@
             </a:ln>
             <a:extLst>
               <a:ext uri="{91240B29-F687-4f45-9708-019B960494DF}">
-                <a14:hiddenLine xmlns:a14="http://schemas.microsoft.com/office/drawing/2010/main" xmlns="" w="9525">
+                <a14:hiddenLine xmlns="" xmlns:a14="http://schemas.microsoft.com/office/drawing/2010/main" w="9525">
                   <a:solidFill>
                     <a:srgbClr val="000000"/>
                   </a:solidFill>
@@ -3509,7 +3514,7 @@
             </a:ln>
             <a:extLst>
               <a:ext uri="{91240B29-F687-4f45-9708-019B960494DF}">
-                <a14:hiddenLine xmlns:a14="http://schemas.microsoft.com/office/drawing/2010/main" xmlns="" w="9525">
+                <a14:hiddenLine xmlns="" xmlns:a14="http://schemas.microsoft.com/office/drawing/2010/main" w="9525">
                   <a:solidFill>
                     <a:srgbClr val="000000"/>
                   </a:solidFill>
@@ -3599,7 +3604,7 @@
             </a:ln>
             <a:extLst>
               <a:ext uri="{91240B29-F687-4f45-9708-019B960494DF}">
-                <a14:hiddenLine xmlns:a14="http://schemas.microsoft.com/office/drawing/2010/main" xmlns="" w="9525">
+                <a14:hiddenLine xmlns="" xmlns:a14="http://schemas.microsoft.com/office/drawing/2010/main" w="9525">
                   <a:solidFill>
                     <a:srgbClr val="000000"/>
                   </a:solidFill>
@@ -3664,7 +3669,7 @@
             </a:ln>
             <a:extLst>
               <a:ext uri="{91240B29-F687-4f45-9708-019B960494DF}">
-                <a14:hiddenLine xmlns:a14="http://schemas.microsoft.com/office/drawing/2010/main" xmlns="" w="9525">
+                <a14:hiddenLine xmlns="" xmlns:a14="http://schemas.microsoft.com/office/drawing/2010/main" w="9525">
                   <a:solidFill>
                     <a:srgbClr val="000000"/>
                   </a:solidFill>
@@ -3726,7 +3731,7 @@
             </a:ln>
             <a:extLst>
               <a:ext uri="{91240B29-F687-4f45-9708-019B960494DF}">
-                <a14:hiddenLine xmlns:a14="http://schemas.microsoft.com/office/drawing/2010/main" xmlns="" w="9525">
+                <a14:hiddenLine xmlns="" xmlns:a14="http://schemas.microsoft.com/office/drawing/2010/main" w="9525">
                   <a:solidFill>
                     <a:srgbClr val="000000"/>
                   </a:solidFill>
@@ -3816,7 +3821,7 @@
             </a:ln>
             <a:extLst>
               <a:ext uri="{91240B29-F687-4f45-9708-019B960494DF}">
-                <a14:hiddenLine xmlns:a14="http://schemas.microsoft.com/office/drawing/2010/main" xmlns="" w="9525">
+                <a14:hiddenLine xmlns="" xmlns:a14="http://schemas.microsoft.com/office/drawing/2010/main" w="9525">
                   <a:solidFill>
                     <a:srgbClr val="000000"/>
                   </a:solidFill>
@@ -3906,7 +3911,7 @@
             </a:ln>
             <a:extLst>
               <a:ext uri="{91240B29-F687-4f45-9708-019B960494DF}">
-                <a14:hiddenLine xmlns:a14="http://schemas.microsoft.com/office/drawing/2010/main" xmlns="" w="9525">
+                <a14:hiddenLine xmlns="" xmlns:a14="http://schemas.microsoft.com/office/drawing/2010/main" w="9525">
                   <a:solidFill>
                     <a:srgbClr val="000000"/>
                   </a:solidFill>
@@ -3968,7 +3973,7 @@
             </a:ln>
             <a:extLst>
               <a:ext uri="{91240B29-F687-4f45-9708-019B960494DF}">
-                <a14:hiddenLine xmlns:a14="http://schemas.microsoft.com/office/drawing/2010/main" xmlns="" w="9525">
+                <a14:hiddenLine xmlns="" xmlns:a14="http://schemas.microsoft.com/office/drawing/2010/main" w="9525">
                   <a:solidFill>
                     <a:srgbClr val="000000"/>
                   </a:solidFill>
@@ -4088,7 +4093,7 @@
             </a:ln>
             <a:extLst>
               <a:ext uri="{91240B29-F687-4f45-9708-019B960494DF}">
-                <a14:hiddenLine xmlns:a14="http://schemas.microsoft.com/office/drawing/2010/main" xmlns="" w="9525">
+                <a14:hiddenLine xmlns="" xmlns:a14="http://schemas.microsoft.com/office/drawing/2010/main" w="9525">
                   <a:solidFill>
                     <a:srgbClr val="000000"/>
                   </a:solidFill>
@@ -4156,7 +4161,7 @@
             </a:ln>
             <a:extLst>
               <a:ext uri="{91240B29-F687-4f45-9708-019B960494DF}">
-                <a14:hiddenLine xmlns:a14="http://schemas.microsoft.com/office/drawing/2010/main" xmlns="" w="9525">
+                <a14:hiddenLine xmlns="" xmlns:a14="http://schemas.microsoft.com/office/drawing/2010/main" w="9525">
                   <a:solidFill>
                     <a:srgbClr val="000000"/>
                   </a:solidFill>
@@ -4246,7 +4251,7 @@
             </a:ln>
             <a:extLst>
               <a:ext uri="{91240B29-F687-4f45-9708-019B960494DF}">
-                <a14:hiddenLine xmlns:a14="http://schemas.microsoft.com/office/drawing/2010/main" xmlns="" w="9525">
+                <a14:hiddenLine xmlns="" xmlns:a14="http://schemas.microsoft.com/office/drawing/2010/main" w="9525">
                   <a:solidFill>
                     <a:srgbClr val="000000"/>
                   </a:solidFill>
@@ -8968,7 +8973,7 @@
           <a:noFill/>
           <a:extLst>
             <a:ext uri="{909E8E84-426E-40dd-AFC4-6F175D3DCCD1}">
-              <a14:hiddenFill xmlns:a14="http://schemas.microsoft.com/office/drawing/2010/main" xmlns="">
+              <a14:hiddenFill xmlns="" xmlns:a14="http://schemas.microsoft.com/office/drawing/2010/main">
                 <a:solidFill>
                   <a:srgbClr val="FFFFFF"/>
                 </a:solidFill>
@@ -9042,7 +9047,7 @@
               </a:ln>
               <a:extLst>
                 <a:ext uri="{91240B29-F687-4f45-9708-019B960494DF}">
-                  <a14:hiddenLine xmlns:a14="http://schemas.microsoft.com/office/drawing/2010/main" xmlns="" w="9525">
+                  <a14:hiddenLine xmlns="" xmlns:a14="http://schemas.microsoft.com/office/drawing/2010/main" w="9525">
                     <a:solidFill>
                       <a:srgbClr val="000000"/>
                     </a:solidFill>
@@ -9132,7 +9137,7 @@
               </a:ln>
               <a:extLst>
                 <a:ext uri="{91240B29-F687-4f45-9708-019B960494DF}">
-                  <a14:hiddenLine xmlns:a14="http://schemas.microsoft.com/office/drawing/2010/main" xmlns="" w="9525">
+                  <a14:hiddenLine xmlns="" xmlns:a14="http://schemas.microsoft.com/office/drawing/2010/main" w="9525">
                     <a:solidFill>
                       <a:srgbClr val="000000"/>
                     </a:solidFill>
@@ -9222,7 +9227,7 @@
               </a:ln>
               <a:extLst>
                 <a:ext uri="{91240B29-F687-4f45-9708-019B960494DF}">
-                  <a14:hiddenLine xmlns:a14="http://schemas.microsoft.com/office/drawing/2010/main" xmlns="" w="9525">
+                  <a14:hiddenLine xmlns="" xmlns:a14="http://schemas.microsoft.com/office/drawing/2010/main" w="9525">
                     <a:solidFill>
                       <a:srgbClr val="000000"/>
                     </a:solidFill>
@@ -9284,7 +9289,7 @@
               </a:ln>
               <a:extLst>
                 <a:ext uri="{91240B29-F687-4f45-9708-019B960494DF}">
-                  <a14:hiddenLine xmlns:a14="http://schemas.microsoft.com/office/drawing/2010/main" xmlns="" w="9525">
+                  <a14:hiddenLine xmlns="" xmlns:a14="http://schemas.microsoft.com/office/drawing/2010/main" w="9525">
                     <a:solidFill>
                       <a:srgbClr val="000000"/>
                     </a:solidFill>
@@ -9374,7 +9379,7 @@
               </a:ln>
               <a:extLst>
                 <a:ext uri="{91240B29-F687-4f45-9708-019B960494DF}">
-                  <a14:hiddenLine xmlns:a14="http://schemas.microsoft.com/office/drawing/2010/main" xmlns="" w="9525">
+                  <a14:hiddenLine xmlns="" xmlns:a14="http://schemas.microsoft.com/office/drawing/2010/main" w="9525">
                     <a:solidFill>
                       <a:srgbClr val="000000"/>
                     </a:solidFill>
@@ -9436,7 +9441,7 @@
               </a:ln>
               <a:extLst>
                 <a:ext uri="{91240B29-F687-4f45-9708-019B960494DF}">
-                  <a14:hiddenLine xmlns:a14="http://schemas.microsoft.com/office/drawing/2010/main" xmlns="" w="9525">
+                  <a14:hiddenLine xmlns="" xmlns:a14="http://schemas.microsoft.com/office/drawing/2010/main" w="9525">
                     <a:solidFill>
                       <a:srgbClr val="000000"/>
                     </a:solidFill>
@@ -9498,7 +9503,7 @@
               </a:ln>
               <a:extLst>
                 <a:ext uri="{91240B29-F687-4f45-9708-019B960494DF}">
-                  <a14:hiddenLine xmlns:a14="http://schemas.microsoft.com/office/drawing/2010/main" xmlns="" w="9525">
+                  <a14:hiddenLine xmlns="" xmlns:a14="http://schemas.microsoft.com/office/drawing/2010/main" w="9525">
                     <a:solidFill>
                       <a:srgbClr val="000000"/>
                     </a:solidFill>
@@ -9588,7 +9593,7 @@
               </a:ln>
               <a:extLst>
                 <a:ext uri="{91240B29-F687-4f45-9708-019B960494DF}">
-                  <a14:hiddenLine xmlns:a14="http://schemas.microsoft.com/office/drawing/2010/main" xmlns="" w="9525">
+                  <a14:hiddenLine xmlns="" xmlns:a14="http://schemas.microsoft.com/office/drawing/2010/main" w="9525">
                     <a:solidFill>
                       <a:srgbClr val="000000"/>
                     </a:solidFill>
@@ -9678,7 +9683,7 @@
               </a:ln>
               <a:extLst>
                 <a:ext uri="{91240B29-F687-4f45-9708-019B960494DF}">
-                  <a14:hiddenLine xmlns:a14="http://schemas.microsoft.com/office/drawing/2010/main" xmlns="" w="9525">
+                  <a14:hiddenLine xmlns="" xmlns:a14="http://schemas.microsoft.com/office/drawing/2010/main" w="9525">
                     <a:solidFill>
                       <a:srgbClr val="000000"/>
                     </a:solidFill>
@@ -9740,7 +9745,7 @@
               </a:ln>
               <a:extLst>
                 <a:ext uri="{91240B29-F687-4f45-9708-019B960494DF}">
-                  <a14:hiddenLine xmlns:a14="http://schemas.microsoft.com/office/drawing/2010/main" xmlns="" w="9525">
+                  <a14:hiddenLine xmlns="" xmlns:a14="http://schemas.microsoft.com/office/drawing/2010/main" w="9525">
                     <a:solidFill>
                       <a:srgbClr val="000000"/>
                     </a:solidFill>
@@ -9850,7 +9855,7 @@
               </a:ln>
               <a:extLst>
                 <a:ext uri="{91240B29-F687-4f45-9708-019B960494DF}">
-                  <a14:hiddenLine xmlns:a14="http://schemas.microsoft.com/office/drawing/2010/main" xmlns="" w="9525">
+                  <a14:hiddenLine xmlns="" xmlns:a14="http://schemas.microsoft.com/office/drawing/2010/main" w="9525">
                     <a:solidFill>
                       <a:srgbClr val="000000"/>
                     </a:solidFill>
@@ -9934,7 +9939,7 @@
               </a:ln>
               <a:extLst>
                 <a:ext uri="{91240B29-F687-4f45-9708-019B960494DF}">
-                  <a14:hiddenLine xmlns:a14="http://schemas.microsoft.com/office/drawing/2010/main" xmlns="" w="9525">
+                  <a14:hiddenLine xmlns="" xmlns:a14="http://schemas.microsoft.com/office/drawing/2010/main" w="9525">
                     <a:solidFill>
                       <a:srgbClr val="000000"/>
                     </a:solidFill>
@@ -9996,7 +10001,7 @@
               </a:ln>
               <a:extLst>
                 <a:ext uri="{91240B29-F687-4f45-9708-019B960494DF}">
-                  <a14:hiddenLine xmlns:a14="http://schemas.microsoft.com/office/drawing/2010/main" xmlns="" w="9525">
+                  <a14:hiddenLine xmlns="" xmlns:a14="http://schemas.microsoft.com/office/drawing/2010/main" w="9525">
                     <a:solidFill>
                       <a:srgbClr val="000000"/>
                     </a:solidFill>
@@ -10058,7 +10063,7 @@
               </a:ln>
               <a:extLst>
                 <a:ext uri="{91240B29-F687-4f45-9708-019B960494DF}">
-                  <a14:hiddenLine xmlns:a14="http://schemas.microsoft.com/office/drawing/2010/main" xmlns="" w="9525">
+                  <a14:hiddenLine xmlns="" xmlns:a14="http://schemas.microsoft.com/office/drawing/2010/main" w="9525">
                     <a:solidFill>
                       <a:srgbClr val="000000"/>
                     </a:solidFill>
@@ -10148,7 +10153,7 @@
               </a:ln>
               <a:extLst>
                 <a:ext uri="{91240B29-F687-4f45-9708-019B960494DF}">
-                  <a14:hiddenLine xmlns:a14="http://schemas.microsoft.com/office/drawing/2010/main" xmlns="" w="9525">
+                  <a14:hiddenLine xmlns="" xmlns:a14="http://schemas.microsoft.com/office/drawing/2010/main" w="9525">
                     <a:solidFill>
                       <a:srgbClr val="000000"/>
                     </a:solidFill>
@@ -10182,7 +10187,7 @@
               </a:ln>
               <a:extLst>
                 <a:ext uri="{91240B29-F687-4f45-9708-019B960494DF}">
-                  <a14:hiddenLine xmlns:a14="http://schemas.microsoft.com/office/drawing/2010/main" xmlns="" w="9525">
+                  <a14:hiddenLine xmlns="" xmlns:a14="http://schemas.microsoft.com/office/drawing/2010/main" w="9525">
                     <a:solidFill>
                       <a:srgbClr val="000000"/>
                     </a:solidFill>
@@ -10247,7 +10252,7 @@
               </a:ln>
               <a:extLst>
                 <a:ext uri="{91240B29-F687-4f45-9708-019B960494DF}">
-                  <a14:hiddenLine xmlns:a14="http://schemas.microsoft.com/office/drawing/2010/main" xmlns="" w="9525">
+                  <a14:hiddenLine xmlns="" xmlns:a14="http://schemas.microsoft.com/office/drawing/2010/main" w="9525">
                     <a:solidFill>
                       <a:srgbClr val="000000"/>
                     </a:solidFill>
@@ -10337,7 +10342,7 @@
               </a:ln>
               <a:extLst>
                 <a:ext uri="{91240B29-F687-4f45-9708-019B960494DF}">
-                  <a14:hiddenLine xmlns:a14="http://schemas.microsoft.com/office/drawing/2010/main" xmlns="" w="9525">
+                  <a14:hiddenLine xmlns="" xmlns:a14="http://schemas.microsoft.com/office/drawing/2010/main" w="9525">
                     <a:solidFill>
                       <a:srgbClr val="000000"/>
                     </a:solidFill>
@@ -10399,7 +10404,7 @@
               </a:ln>
               <a:extLst>
                 <a:ext uri="{91240B29-F687-4f45-9708-019B960494DF}">
-                  <a14:hiddenLine xmlns:a14="http://schemas.microsoft.com/office/drawing/2010/main" xmlns="" w="9525">
+                  <a14:hiddenLine xmlns="" xmlns:a14="http://schemas.microsoft.com/office/drawing/2010/main" w="9525">
                     <a:solidFill>
                       <a:srgbClr val="000000"/>
                     </a:solidFill>
@@ -10489,7 +10494,7 @@
               </a:ln>
               <a:extLst>
                 <a:ext uri="{91240B29-F687-4f45-9708-019B960494DF}">
-                  <a14:hiddenLine xmlns:a14="http://schemas.microsoft.com/office/drawing/2010/main" xmlns="" w="9525">
+                  <a14:hiddenLine xmlns="" xmlns:a14="http://schemas.microsoft.com/office/drawing/2010/main" w="9525">
                     <a:solidFill>
                       <a:srgbClr val="000000"/>
                     </a:solidFill>
@@ -10554,7 +10559,7 @@
               </a:ln>
               <a:extLst>
                 <a:ext uri="{91240B29-F687-4f45-9708-019B960494DF}">
-                  <a14:hiddenLine xmlns:a14="http://schemas.microsoft.com/office/drawing/2010/main" xmlns="" w="9525">
+                  <a14:hiddenLine xmlns="" xmlns:a14="http://schemas.microsoft.com/office/drawing/2010/main" w="9525">
                     <a:solidFill>
                       <a:srgbClr val="000000"/>
                     </a:solidFill>
@@ -10616,7 +10621,7 @@
               </a:ln>
               <a:extLst>
                 <a:ext uri="{91240B29-F687-4f45-9708-019B960494DF}">
-                  <a14:hiddenLine xmlns:a14="http://schemas.microsoft.com/office/drawing/2010/main" xmlns="" w="9525">
+                  <a14:hiddenLine xmlns="" xmlns:a14="http://schemas.microsoft.com/office/drawing/2010/main" w="9525">
                     <a:solidFill>
                       <a:srgbClr val="000000"/>
                     </a:solidFill>
@@ -10706,7 +10711,7 @@
               </a:ln>
               <a:extLst>
                 <a:ext uri="{91240B29-F687-4f45-9708-019B960494DF}">
-                  <a14:hiddenLine xmlns:a14="http://schemas.microsoft.com/office/drawing/2010/main" xmlns="" w="9525">
+                  <a14:hiddenLine xmlns="" xmlns:a14="http://schemas.microsoft.com/office/drawing/2010/main" w="9525">
                     <a:solidFill>
                       <a:srgbClr val="000000"/>
                     </a:solidFill>
@@ -10796,7 +10801,7 @@
               </a:ln>
               <a:extLst>
                 <a:ext uri="{91240B29-F687-4f45-9708-019B960494DF}">
-                  <a14:hiddenLine xmlns:a14="http://schemas.microsoft.com/office/drawing/2010/main" xmlns="" w="9525">
+                  <a14:hiddenLine xmlns="" xmlns:a14="http://schemas.microsoft.com/office/drawing/2010/main" w="9525">
                     <a:solidFill>
                       <a:srgbClr val="000000"/>
                     </a:solidFill>
@@ -10861,7 +10866,7 @@
               </a:ln>
               <a:extLst>
                 <a:ext uri="{91240B29-F687-4f45-9708-019B960494DF}">
-                  <a14:hiddenLine xmlns:a14="http://schemas.microsoft.com/office/drawing/2010/main" xmlns="" w="9525">
+                  <a14:hiddenLine xmlns="" xmlns:a14="http://schemas.microsoft.com/office/drawing/2010/main" w="9525">
                     <a:solidFill>
                       <a:srgbClr val="000000"/>
                     </a:solidFill>
@@ -10981,7 +10986,7 @@
               </a:ln>
               <a:extLst>
                 <a:ext uri="{91240B29-F687-4f45-9708-019B960494DF}">
-                  <a14:hiddenLine xmlns:a14="http://schemas.microsoft.com/office/drawing/2010/main" xmlns="" w="9525">
+                  <a14:hiddenLine xmlns="" xmlns:a14="http://schemas.microsoft.com/office/drawing/2010/main" w="9525">
                     <a:solidFill>
                       <a:srgbClr val="000000"/>
                     </a:solidFill>
@@ -11079,7 +11084,7 @@
               </a:ln>
               <a:extLst>
                 <a:ext uri="{91240B29-F687-4f45-9708-019B960494DF}">
-                  <a14:hiddenLine xmlns:a14="http://schemas.microsoft.com/office/drawing/2010/main" xmlns="" w="9525">
+                  <a14:hiddenLine xmlns="" xmlns:a14="http://schemas.microsoft.com/office/drawing/2010/main" w="9525">
                     <a:solidFill>
                       <a:srgbClr val="000000"/>
                     </a:solidFill>
@@ -11194,7 +11199,7 @@
               </a:ln>
               <a:extLst>
                 <a:ext uri="{91240B29-F687-4f45-9708-019B960494DF}">
-                  <a14:hiddenLine xmlns:a14="http://schemas.microsoft.com/office/drawing/2010/main" xmlns="" w="9525">
+                  <a14:hiddenLine xmlns="" xmlns:a14="http://schemas.microsoft.com/office/drawing/2010/main" w="9525">
                     <a:solidFill>
                       <a:srgbClr val="000000"/>
                     </a:solidFill>
@@ -11284,7 +11289,7 @@
               </a:ln>
               <a:extLst>
                 <a:ext uri="{91240B29-F687-4f45-9708-019B960494DF}">
-                  <a14:hiddenLine xmlns:a14="http://schemas.microsoft.com/office/drawing/2010/main" xmlns="" w="9525">
+                  <a14:hiddenLine xmlns="" xmlns:a14="http://schemas.microsoft.com/office/drawing/2010/main" w="9525">
                     <a:solidFill>
                       <a:srgbClr val="000000"/>
                     </a:solidFill>
@@ -11349,7 +11354,7 @@
               </a:ln>
               <a:extLst>
                 <a:ext uri="{91240B29-F687-4f45-9708-019B960494DF}">
-                  <a14:hiddenLine xmlns:a14="http://schemas.microsoft.com/office/drawing/2010/main" xmlns="" w="9525">
+                  <a14:hiddenLine xmlns="" xmlns:a14="http://schemas.microsoft.com/office/drawing/2010/main" w="9525">
                     <a:solidFill>
                       <a:srgbClr val="000000"/>
                     </a:solidFill>
@@ -11439,7 +11444,7 @@
               </a:ln>
               <a:extLst>
                 <a:ext uri="{91240B29-F687-4f45-9708-019B960494DF}">
-                  <a14:hiddenLine xmlns:a14="http://schemas.microsoft.com/office/drawing/2010/main" xmlns="" w="9525">
+                  <a14:hiddenLine xmlns="" xmlns:a14="http://schemas.microsoft.com/office/drawing/2010/main" w="9525">
                     <a:solidFill>
                       <a:srgbClr val="000000"/>
                     </a:solidFill>
@@ -11507,7 +11512,7 @@
               </a:ln>
               <a:extLst>
                 <a:ext uri="{91240B29-F687-4f45-9708-019B960494DF}">
-                  <a14:hiddenLine xmlns:a14="http://schemas.microsoft.com/office/drawing/2010/main" xmlns="" w="9525">
+                  <a14:hiddenLine xmlns="" xmlns:a14="http://schemas.microsoft.com/office/drawing/2010/main" w="9525">
                     <a:solidFill>
                       <a:srgbClr val="000000"/>
                     </a:solidFill>
@@ -11597,7 +11602,7 @@
               </a:ln>
               <a:extLst>
                 <a:ext uri="{91240B29-F687-4f45-9708-019B960494DF}">
-                  <a14:hiddenLine xmlns:a14="http://schemas.microsoft.com/office/drawing/2010/main" xmlns="" w="9525">
+                  <a14:hiddenLine xmlns="" xmlns:a14="http://schemas.microsoft.com/office/drawing/2010/main" w="9525">
                     <a:solidFill>
                       <a:srgbClr val="000000"/>
                     </a:solidFill>
@@ -11665,7 +11670,7 @@
               </a:ln>
               <a:extLst>
                 <a:ext uri="{91240B29-F687-4f45-9708-019B960494DF}">
-                  <a14:hiddenLine xmlns:a14="http://schemas.microsoft.com/office/drawing/2010/main" xmlns="" w="9525">
+                  <a14:hiddenLine xmlns="" xmlns:a14="http://schemas.microsoft.com/office/drawing/2010/main" w="9525">
                     <a:solidFill>
                       <a:srgbClr val="000000"/>
                     </a:solidFill>
@@ -11755,7 +11760,7 @@
               </a:ln>
               <a:extLst>
                 <a:ext uri="{91240B29-F687-4f45-9708-019B960494DF}">
-                  <a14:hiddenLine xmlns:a14="http://schemas.microsoft.com/office/drawing/2010/main" xmlns="" w="9525">
+                  <a14:hiddenLine xmlns="" xmlns:a14="http://schemas.microsoft.com/office/drawing/2010/main" w="9525">
                     <a:solidFill>
                       <a:srgbClr val="000000"/>
                     </a:solidFill>
@@ -11789,7 +11794,7 @@
               </a:ln>
               <a:extLst>
                 <a:ext uri="{91240B29-F687-4f45-9708-019B960494DF}">
-                  <a14:hiddenLine xmlns:a14="http://schemas.microsoft.com/office/drawing/2010/main" xmlns="" w="9525">
+                  <a14:hiddenLine xmlns="" xmlns:a14="http://schemas.microsoft.com/office/drawing/2010/main" w="9525">
                     <a:solidFill>
                       <a:srgbClr val="000000"/>
                     </a:solidFill>
@@ -12506,7 +12511,30 @@
           <a:bodyPr/>
           <a:lstStyle/>
           <a:p>
-            <a:endParaRPr lang="en-US"/>
+            <a:r>
+              <a:rPr lang="en-US" dirty="0" smtClean="0"/>
+              <a:t>sender.cpp and receiver.cpp use the same packets (defined in </a:t>
+            </a:r>
+            <a:r>
+              <a:rPr lang="en-US" dirty="0" err="1" smtClean="0"/>
+              <a:t>packet.h</a:t>
+            </a:r>
+            <a:r>
+              <a:rPr lang="en-US" dirty="0" smtClean="0"/>
+              <a:t>) (ACKs are defined by a Boolean)</a:t>
+            </a:r>
+          </a:p>
+          <a:p>
+            <a:r>
+              <a:rPr lang="en-US" dirty="0" smtClean="0"/>
+              <a:t>sender first populates its address &amp; the receiver uses INET_PTON to convert addresses from text to binary form </a:t>
+            </a:r>
+          </a:p>
+          <a:p>
+            <a:endParaRPr lang="en-US" dirty="0" smtClean="0"/>
+          </a:p>
+          <a:p>
+            <a:endParaRPr lang="en-US" dirty="0"/>
           </a:p>
         </p:txBody>
       </p:sp>
@@ -12578,7 +12606,17 @@
           <a:bodyPr/>
           <a:lstStyle/>
           <a:p>
-            <a:endParaRPr lang="en-US"/>
+            <a:r>
+              <a:rPr lang="en-US" dirty="0" smtClean="0"/>
+              <a:t>We learned how to use a UDP protocol to send files over a socket – and actually see the difference between UDP and TCP.</a:t>
+            </a:r>
+          </a:p>
+          <a:p>
+            <a:r>
+              <a:rPr lang="en-US" dirty="0" smtClean="0"/>
+              <a:t>We also learned what it meant to think about the specific circumstances when implementing UDP (i.e. test cases and what could go wrong).</a:t>
+            </a:r>
+            <a:endParaRPr lang="en-US" dirty="0"/>
           </a:p>
         </p:txBody>
       </p:sp>
@@ -12650,7 +12688,22 @@
           <a:bodyPr/>
           <a:lstStyle/>
           <a:p>
-            <a:endParaRPr lang="en-US"/>
+            <a:r>
+              <a:rPr lang="en-US" dirty="0" smtClean="0"/>
+              <a:t>One suggestion would be keep track of the number of timeouts that occur. If too many occur, this indicates that the socket is congested and we should perhaps decrease the window size.</a:t>
+            </a:r>
+          </a:p>
+          <a:p>
+            <a:r>
+              <a:rPr lang="en-US" dirty="0" smtClean="0"/>
+              <a:t>We also learned the difference between attempting to implement Go-Back-N and Selective Repeat. Though we decided to implement Go-Back-N, we realize that Selective Repeat is a smarter ARQ in the case of congestion.</a:t>
+            </a:r>
+          </a:p>
+          <a:p>
+            <a:pPr marL="0" indent="0">
+              <a:buNone/>
+            </a:pPr>
+            <a:endParaRPr lang="en-US" dirty="0"/>
           </a:p>
         </p:txBody>
       </p:sp>
